--- a/Weekly Updates/Week7.pptx
+++ b/Weekly Updates/Week7.pptx
@@ -10,14 +10,15 @@
     <p:sldId id="267" r:id="rId4"/>
     <p:sldId id="272" r:id="rId5"/>
     <p:sldId id="273" r:id="rId6"/>
-    <p:sldId id="262" r:id="rId7"/>
-    <p:sldId id="265" r:id="rId8"/>
-    <p:sldId id="260" r:id="rId9"/>
-    <p:sldId id="261" r:id="rId10"/>
-    <p:sldId id="264" r:id="rId11"/>
-    <p:sldId id="266" r:id="rId12"/>
-    <p:sldId id="270" r:id="rId13"/>
-    <p:sldId id="271" r:id="rId14"/>
+    <p:sldId id="275" r:id="rId7"/>
+    <p:sldId id="262" r:id="rId8"/>
+    <p:sldId id="265" r:id="rId9"/>
+    <p:sldId id="260" r:id="rId10"/>
+    <p:sldId id="261" r:id="rId11"/>
+    <p:sldId id="264" r:id="rId12"/>
+    <p:sldId id="266" r:id="rId13"/>
+    <p:sldId id="270" r:id="rId14"/>
+    <p:sldId id="271" r:id="rId15"/>
   </p:sldIdLst>
   <p:sldSz cx="12192000" cy="6858000"/>
   <p:notesSz cx="6858000" cy="9144000"/>
@@ -3465,7 +3466,7 @@
           <p:cNvPr id="2" name="Title 1">
             <a:extLst>
               <a:ext uri="{FF2B5EF4-FFF2-40B4-BE49-F238E27FC236}">
-                <a16:creationId xmlns:a16="http://schemas.microsoft.com/office/drawing/2014/main" id="{5EF4F688-E0AF-4FB6-89E1-31ACE46128F1}"/>
+                <a16:creationId xmlns:a16="http://schemas.microsoft.com/office/drawing/2014/main" id="{FFD80D3C-0DE5-4787-AD89-FCA2B073CAA9}"/>
               </a:ext>
             </a:extLst>
           </p:cNvPr>
@@ -3493,7 +3494,7 @@
           <p:cNvPr id="3" name="Content Placeholder 2">
             <a:extLst>
               <a:ext uri="{FF2B5EF4-FFF2-40B4-BE49-F238E27FC236}">
-                <a16:creationId xmlns:a16="http://schemas.microsoft.com/office/drawing/2014/main" id="{B4C844F7-E960-4048-BB55-A40BA7FDB0FD}"/>
+                <a16:creationId xmlns:a16="http://schemas.microsoft.com/office/drawing/2014/main" id="{77C7C523-BD01-4F5C-ADCB-063CC6B09E70}"/>
               </a:ext>
             </a:extLst>
           </p:cNvPr>
@@ -3511,16 +3512,28 @@
           <a:p>
             <a:r>
               <a:rPr lang="en-US" dirty="0"/>
-              <a:t>Make sure SolidWorks Interop files (SolidWorks Native API) have the same version as those referenced by AngelSix API</a:t>
-            </a:r>
-          </a:p>
-          <a:p>
-            <a:endParaRPr lang="en-US" dirty="0"/>
-          </a:p>
-          <a:p>
+              <a:t>Packages downloaded from GitHub do not compile because Dna.Framework is not a valid namespace</a:t>
+            </a:r>
+          </a:p>
+          <a:p>
+            <a:pPr lvl="1"/>
             <a:r>
               <a:rPr lang="en-US" dirty="0"/>
-              <a:t>AngelSix API uses .NET Framework 4.7.1, so make sure this is consistent with your solution</a:t>
+              <a:t>Dna.Framework, also written by AngelSix, is a NuGet package</a:t>
+            </a:r>
+          </a:p>
+          <a:p>
+            <a:pPr lvl="1"/>
+            <a:r>
+              <a:rPr lang="en-US" dirty="0"/>
+              <a:t>NuGet is a free, open-source package manager in Visual Studio</a:t>
+            </a:r>
+          </a:p>
+          <a:p>
+            <a:pPr lvl="1"/>
+            <a:r>
+              <a:rPr lang="en-US" dirty="0"/>
+              <a:t>Make sure this package is properly installed (with dependencies) for each solution</a:t>
             </a:r>
           </a:p>
         </p:txBody>
@@ -3528,7 +3541,7 @@
     </p:spTree>
     <p:extLst>
       <p:ext uri="{BB962C8B-B14F-4D97-AF65-F5344CB8AC3E}">
-        <p14:creationId xmlns:p14="http://schemas.microsoft.com/office/powerpoint/2010/main" val="790591578"/>
+        <p14:creationId xmlns:p14="http://schemas.microsoft.com/office/powerpoint/2010/main" val="1105893448"/>
       </p:ext>
     </p:extLst>
   </p:cSld>
@@ -3557,7 +3570,13 @@
       </p:grpSpPr>
       <p:sp>
         <p:nvSpPr>
-          <p:cNvPr id="2" name="Title 1"/>
+          <p:cNvPr id="2" name="Title 1">
+            <a:extLst>
+              <a:ext uri="{FF2B5EF4-FFF2-40B4-BE49-F238E27FC236}">
+                <a16:creationId xmlns:a16="http://schemas.microsoft.com/office/drawing/2014/main" id="{5EF4F688-E0AF-4FB6-89E1-31ACE46128F1}"/>
+              </a:ext>
+            </a:extLst>
+          </p:cNvPr>
           <p:cNvSpPr>
             <a:spLocks noGrp="1"/>
           </p:cNvSpPr>
@@ -3579,7 +3598,13 @@
       </p:sp>
       <p:sp>
         <p:nvSpPr>
-          <p:cNvPr id="3" name="Content Placeholder 2"/>
+          <p:cNvPr id="3" name="Content Placeholder 2">
+            <a:extLst>
+              <a:ext uri="{FF2B5EF4-FFF2-40B4-BE49-F238E27FC236}">
+                <a16:creationId xmlns:a16="http://schemas.microsoft.com/office/drawing/2014/main" id="{B4C844F7-E960-4048-BB55-A40BA7FDB0FD}"/>
+              </a:ext>
+            </a:extLst>
+          </p:cNvPr>
           <p:cNvSpPr>
             <a:spLocks noGrp="1"/>
           </p:cNvSpPr>
@@ -3594,7 +3619,7 @@
           <a:p>
             <a:r>
               <a:rPr lang="en-US" dirty="0"/>
-              <a:t>Installing add-in shows too many Command Manager Items</a:t>
+              <a:t>Make sure SolidWorks Interop files (SolidWorks Native API) have the same version as those referenced by AngelSix API</a:t>
             </a:r>
           </a:p>
           <a:p>
@@ -3603,33 +3628,7 @@
           <a:p>
             <a:r>
               <a:rPr lang="en-US" dirty="0"/>
-              <a:t>Renaming the project when you have a Command Manager Item plug-in causes this</a:t>
-            </a:r>
-          </a:p>
-          <a:p>
-            <a:endParaRPr lang="en-US" dirty="0"/>
-          </a:p>
-          <a:p>
-            <a:r>
-              <a:rPr lang="en-US" dirty="0"/>
-              <a:t>Have not found the fix so far</a:t>
-            </a:r>
-          </a:p>
-          <a:p>
-            <a:endParaRPr lang="en-US" dirty="0"/>
-          </a:p>
-          <a:p>
-            <a:r>
-              <a:rPr lang="en-US" dirty="0"/>
-              <a:t>Possible walk-around: clone the project, and export a new .</a:t>
-            </a:r>
-            <a:r>
-              <a:rPr lang="en-US" dirty="0" err="1"/>
-              <a:t>dll</a:t>
-            </a:r>
-            <a:r>
-              <a:rPr lang="en-US" dirty="0"/>
-              <a:t> </a:t>
+              <a:t>AngelSix API uses .NET Framework 4.7.1, so make sure this is consistent with your solution</a:t>
             </a:r>
           </a:p>
         </p:txBody>
@@ -3637,7 +3636,7 @@
     </p:spTree>
     <p:extLst>
       <p:ext uri="{BB962C8B-B14F-4D97-AF65-F5344CB8AC3E}">
-        <p14:creationId xmlns:p14="http://schemas.microsoft.com/office/powerpoint/2010/main" val="2651655616"/>
+        <p14:creationId xmlns:p14="http://schemas.microsoft.com/office/powerpoint/2010/main" val="790591578"/>
       </p:ext>
     </p:extLst>
   </p:cSld>
@@ -3702,6 +3701,115 @@
           <a:lstStyle/>
           <a:p>
             <a:r>
+              <a:rPr lang="en-US" dirty="0"/>
+              <a:t>Installing add-in shows too many Command Manager Items</a:t>
+            </a:r>
+          </a:p>
+          <a:p>
+            <a:endParaRPr lang="en-US" dirty="0"/>
+          </a:p>
+          <a:p>
+            <a:r>
+              <a:rPr lang="en-US" dirty="0"/>
+              <a:t>Renaming the project when you have a Command Manager Item plug-in causes this</a:t>
+            </a:r>
+          </a:p>
+          <a:p>
+            <a:endParaRPr lang="en-US" dirty="0"/>
+          </a:p>
+          <a:p>
+            <a:r>
+              <a:rPr lang="en-US" dirty="0"/>
+              <a:t>Have not found the fix so far</a:t>
+            </a:r>
+          </a:p>
+          <a:p>
+            <a:endParaRPr lang="en-US" dirty="0"/>
+          </a:p>
+          <a:p>
+            <a:r>
+              <a:rPr lang="en-US" dirty="0"/>
+              <a:t>Possible walk-around: clone the project, and export a new .</a:t>
+            </a:r>
+            <a:r>
+              <a:rPr lang="en-US" dirty="0" err="1"/>
+              <a:t>dll</a:t>
+            </a:r>
+            <a:r>
+              <a:rPr lang="en-US" dirty="0"/>
+              <a:t> </a:t>
+            </a:r>
+          </a:p>
+        </p:txBody>
+      </p:sp>
+    </p:spTree>
+    <p:extLst>
+      <p:ext uri="{BB962C8B-B14F-4D97-AF65-F5344CB8AC3E}">
+        <p14:creationId xmlns:p14="http://schemas.microsoft.com/office/powerpoint/2010/main" val="2651655616"/>
+      </p:ext>
+    </p:extLst>
+  </p:cSld>
+  <p:clrMapOvr>
+    <a:masterClrMapping/>
+  </p:clrMapOvr>
+</p:sld>
+</file>
+
+<file path=ppt/slides/slide13.xml><?xml version="1.0" encoding="utf-8"?>
+<p:sld xmlns:a="http://schemas.openxmlformats.org/drawingml/2006/main" xmlns:r="http://schemas.openxmlformats.org/officeDocument/2006/relationships" xmlns:p="http://schemas.openxmlformats.org/presentationml/2006/main">
+  <p:cSld>
+    <p:spTree>
+      <p:nvGrpSpPr>
+        <p:cNvPr id="1" name=""/>
+        <p:cNvGrpSpPr/>
+        <p:nvPr/>
+      </p:nvGrpSpPr>
+      <p:grpSpPr>
+        <a:xfrm>
+          <a:off x="0" y="0"/>
+          <a:ext cx="0" cy="0"/>
+          <a:chOff x="0" y="0"/>
+          <a:chExt cx="0" cy="0"/>
+        </a:xfrm>
+      </p:grpSpPr>
+      <p:sp>
+        <p:nvSpPr>
+          <p:cNvPr id="2" name="Title 1"/>
+          <p:cNvSpPr>
+            <a:spLocks noGrp="1"/>
+          </p:cNvSpPr>
+          <p:nvPr>
+            <p:ph type="title"/>
+          </p:nvPr>
+        </p:nvSpPr>
+        <p:spPr/>
+        <p:txBody>
+          <a:bodyPr/>
+          <a:lstStyle/>
+          <a:p>
+            <a:r>
+              <a:rPr lang="en-US" dirty="0"/>
+              <a:t>Problems List and Solution (Cont’d)</a:t>
+            </a:r>
+          </a:p>
+        </p:txBody>
+      </p:sp>
+      <p:sp>
+        <p:nvSpPr>
+          <p:cNvPr id="3" name="Content Placeholder 2"/>
+          <p:cNvSpPr>
+            <a:spLocks noGrp="1"/>
+          </p:cNvSpPr>
+          <p:nvPr>
+            <p:ph idx="1"/>
+          </p:nvPr>
+        </p:nvSpPr>
+        <p:spPr/>
+        <p:txBody>
+          <a:bodyPr/>
+          <a:lstStyle/>
+          <a:p>
+            <a:r>
               <a:rPr lang="en-US" dirty="0" err="1" smtClean="0"/>
               <a:t>SculptPrint</a:t>
             </a:r>
@@ -3777,7 +3885,7 @@
 </p:sld>
 </file>
 
-<file path=ppt/slides/slide13.xml><?xml version="1.0" encoding="utf-8"?>
+<file path=ppt/slides/slide14.xml><?xml version="1.0" encoding="utf-8"?>
 <p:sld xmlns:a="http://schemas.openxmlformats.org/drawingml/2006/main" xmlns:r="http://schemas.openxmlformats.org/officeDocument/2006/relationships" xmlns:p="http://schemas.openxmlformats.org/presentationml/2006/main">
   <p:cSld>
     <p:spTree>
@@ -4224,136 +4332,522 @@
       </p:grpSpPr>
       <p:sp>
         <p:nvSpPr>
-          <p:cNvPr id="2" name="Title 1">
-            <a:extLst>
-              <a:ext uri="{FF2B5EF4-FFF2-40B4-BE49-F238E27FC236}">
-                <a16:creationId xmlns:a16="http://schemas.microsoft.com/office/drawing/2014/main" id="{C5DAE7CA-9369-48CD-9541-C82E72C2C0C5}"/>
-              </a:ext>
-            </a:extLst>
-          </p:cNvPr>
-          <p:cNvSpPr>
-            <a:spLocks noGrp="1"/>
-          </p:cNvSpPr>
-          <p:nvPr>
-            <p:ph type="title"/>
-          </p:nvPr>
-        </p:nvSpPr>
-        <p:spPr/>
-        <p:txBody>
-          <a:bodyPr/>
-          <a:lstStyle/>
-          <a:p>
-            <a:r>
-              <a:rPr lang="en-US" dirty="0"/>
-              <a:t>Next Steps</a:t>
-            </a:r>
-          </a:p>
-        </p:txBody>
-      </p:sp>
-      <p:sp>
-        <p:nvSpPr>
-          <p:cNvPr id="3" name="Content Placeholder 2">
-            <a:extLst>
-              <a:ext uri="{FF2B5EF4-FFF2-40B4-BE49-F238E27FC236}">
-                <a16:creationId xmlns:a16="http://schemas.microsoft.com/office/drawing/2014/main" id="{D44BE787-6C9A-42E8-B9CA-921D09C037CE}"/>
-              </a:ext>
-            </a:extLst>
-          </p:cNvPr>
-          <p:cNvSpPr>
-            <a:spLocks noGrp="1"/>
-          </p:cNvSpPr>
-          <p:nvPr>
-            <p:ph idx="1"/>
-          </p:nvPr>
-        </p:nvSpPr>
-        <p:spPr/>
-        <p:txBody>
-          <a:bodyPr>
-            <a:normAutofit/>
+          <p:cNvPr id="8" name="Rectangle 7"/>
+          <p:cNvSpPr/>
+          <p:nvPr/>
+        </p:nvSpPr>
+        <p:spPr>
+          <a:xfrm>
+            <a:off x="8696092" y="1841810"/>
+            <a:ext cx="2018371" cy="2271132"/>
+          </a:xfrm>
+          <a:prstGeom prst="rect">
+            <a:avLst/>
+          </a:prstGeom>
+          <a:solidFill>
+            <a:schemeClr val="bg1">
+              <a:alpha val="50000"/>
+            </a:schemeClr>
+          </a:solidFill>
+          <a:ln>
+            <a:solidFill>
+              <a:schemeClr val="tx1"/>
+            </a:solidFill>
+          </a:ln>
+        </p:spPr>
+        <p:style>
+          <a:lnRef idx="0">
+            <a:scrgbClr r="0" g="0" b="0"/>
+          </a:lnRef>
+          <a:fillRef idx="0">
+            <a:scrgbClr r="0" g="0" b="0"/>
+          </a:fillRef>
+          <a:effectRef idx="0">
+            <a:scrgbClr r="0" g="0" b="0"/>
+          </a:effectRef>
+          <a:fontRef idx="minor">
+            <a:schemeClr val="lt1"/>
+          </a:fontRef>
+        </p:style>
+        <p:txBody>
+          <a:bodyPr rtlCol="0" anchor="ctr"/>
+          <a:lstStyle/>
+          <a:p>
+            <a:pPr algn="ctr"/>
+            <a:endParaRPr lang="en-US" dirty="0"/>
+          </a:p>
+        </p:txBody>
+      </p:sp>
+      <p:sp>
+        <p:nvSpPr>
+          <p:cNvPr id="4" name="TextBox 3"/>
+          <p:cNvSpPr txBox="1"/>
+          <p:nvPr/>
+        </p:nvSpPr>
+        <p:spPr>
+          <a:xfrm>
+            <a:off x="1437580" y="1281049"/>
+            <a:ext cx="2453268" cy="369332"/>
+          </a:xfrm>
+          <a:prstGeom prst="rect">
+            <a:avLst/>
+          </a:prstGeom>
+          <a:noFill/>
+        </p:spPr>
+        <p:txBody>
+          <a:bodyPr wrap="square" rtlCol="0">
+            <a:spAutoFit/>
           </a:bodyPr>
           <a:lstStyle/>
           <a:p>
-            <a:pPr marL="514350" indent="-514350">
-              <a:buFont typeface="+mj-lt"/>
-              <a:buAutoNum type="arabicPeriod"/>
-            </a:pPr>
+            <a:pPr algn="ctr"/>
             <a:r>
               <a:rPr lang="en-US" dirty="0" smtClean="0"/>
-              <a:t>Continue work on </a:t>
+              <a:t>ME Tag: 02279</a:t>
+            </a:r>
+            <a:endParaRPr lang="en-US" dirty="0"/>
+          </a:p>
+        </p:txBody>
+      </p:sp>
+      <p:sp>
+        <p:nvSpPr>
+          <p:cNvPr id="5" name="Rectangle 4"/>
+          <p:cNvSpPr/>
+          <p:nvPr/>
+        </p:nvSpPr>
+        <p:spPr>
+          <a:xfrm>
+            <a:off x="551058" y="1650381"/>
+            <a:ext cx="4226312" cy="2653990"/>
+          </a:xfrm>
+          <a:prstGeom prst="rect">
+            <a:avLst/>
+          </a:prstGeom>
+          <a:solidFill>
+            <a:schemeClr val="bg1">
+              <a:alpha val="50000"/>
+            </a:schemeClr>
+          </a:solidFill>
+          <a:ln w="38100">
+            <a:solidFill>
+              <a:schemeClr val="tx1"/>
+            </a:solidFill>
+          </a:ln>
+        </p:spPr>
+        <p:style>
+          <a:lnRef idx="0">
+            <a:scrgbClr r="0" g="0" b="0"/>
+          </a:lnRef>
+          <a:fillRef idx="0">
+            <a:scrgbClr r="0" g="0" b="0"/>
+          </a:fillRef>
+          <a:effectRef idx="0">
+            <a:scrgbClr r="0" g="0" b="0"/>
+          </a:effectRef>
+          <a:fontRef idx="minor">
+            <a:schemeClr val="lt1"/>
+          </a:fontRef>
+        </p:style>
+        <p:txBody>
+          <a:bodyPr rtlCol="0" anchor="ctr"/>
+          <a:lstStyle/>
+          <a:p>
+            <a:pPr algn="ctr"/>
+            <a:endParaRPr lang="en-US"/>
+          </a:p>
+        </p:txBody>
+      </p:sp>
+      <p:sp>
+        <p:nvSpPr>
+          <p:cNvPr id="6" name="TextBox 5"/>
+          <p:cNvSpPr txBox="1"/>
+          <p:nvPr/>
+        </p:nvSpPr>
+        <p:spPr>
+          <a:xfrm>
+            <a:off x="6678651" y="1281049"/>
+            <a:ext cx="3672468" cy="369332"/>
+          </a:xfrm>
+          <a:prstGeom prst="rect">
+            <a:avLst/>
+          </a:prstGeom>
+          <a:noFill/>
+        </p:spPr>
+        <p:txBody>
+          <a:bodyPr wrap="square" rtlCol="0">
+            <a:spAutoFit/>
+          </a:bodyPr>
+          <a:lstStyle/>
+          <a:p>
+            <a:pPr algn="ctr"/>
+            <a:r>
+              <a:rPr lang="en-US" dirty="0" smtClean="0"/>
+              <a:t>One of Two Personal Machines</a:t>
+            </a:r>
+            <a:endParaRPr lang="en-US" dirty="0"/>
+          </a:p>
+        </p:txBody>
+      </p:sp>
+      <p:sp>
+        <p:nvSpPr>
+          <p:cNvPr id="7" name="Rectangle 6"/>
+          <p:cNvSpPr/>
+          <p:nvPr/>
+        </p:nvSpPr>
+        <p:spPr>
+          <a:xfrm>
+            <a:off x="6038385" y="1650381"/>
+            <a:ext cx="4953000" cy="2653990"/>
+          </a:xfrm>
+          <a:prstGeom prst="rect">
+            <a:avLst/>
+          </a:prstGeom>
+          <a:solidFill>
+            <a:schemeClr val="bg1">
+              <a:alpha val="50000"/>
+            </a:schemeClr>
+          </a:solidFill>
+          <a:ln w="38100">
+            <a:solidFill>
+              <a:schemeClr val="tx1"/>
+            </a:solidFill>
+          </a:ln>
+        </p:spPr>
+        <p:style>
+          <a:lnRef idx="0">
+            <a:scrgbClr r="0" g="0" b="0"/>
+          </a:lnRef>
+          <a:fillRef idx="0">
+            <a:scrgbClr r="0" g="0" b="0"/>
+          </a:fillRef>
+          <a:effectRef idx="0">
+            <a:scrgbClr r="0" g="0" b="0"/>
+          </a:effectRef>
+          <a:fontRef idx="minor">
+            <a:schemeClr val="lt1"/>
+          </a:fontRef>
+        </p:style>
+        <p:txBody>
+          <a:bodyPr rtlCol="0" anchor="ctr"/>
+          <a:lstStyle/>
+          <a:p>
+            <a:pPr algn="ctr"/>
+            <a:endParaRPr lang="en-US"/>
+          </a:p>
+        </p:txBody>
+      </p:sp>
+      <p:sp>
+        <p:nvSpPr>
+          <p:cNvPr id="9" name="TextBox 8"/>
+          <p:cNvSpPr txBox="1"/>
+          <p:nvPr/>
+        </p:nvSpPr>
+        <p:spPr>
+          <a:xfrm>
+            <a:off x="8913539" y="2515711"/>
+            <a:ext cx="1583475" cy="923330"/>
+          </a:xfrm>
+          <a:prstGeom prst="rect">
+            <a:avLst/>
+          </a:prstGeom>
+          <a:noFill/>
+        </p:spPr>
+        <p:txBody>
+          <a:bodyPr wrap="square" rtlCol="0">
+            <a:spAutoFit/>
+          </a:bodyPr>
+          <a:lstStyle/>
+          <a:p>
+            <a:pPr algn="ctr"/>
+            <a:r>
+              <a:rPr lang="en-US" dirty="0" smtClean="0"/>
+              <a:t>Citrix Receiver logged into ME-VXL-M60</a:t>
+            </a:r>
+            <a:endParaRPr lang="en-US" dirty="0"/>
+          </a:p>
+        </p:txBody>
+      </p:sp>
+      <p:sp>
+        <p:nvSpPr>
+          <p:cNvPr id="11" name="Rectangle 10"/>
+          <p:cNvSpPr/>
+          <p:nvPr/>
+        </p:nvSpPr>
+        <p:spPr>
+          <a:xfrm>
+            <a:off x="6356195" y="2216860"/>
+            <a:ext cx="1784429" cy="1521031"/>
+          </a:xfrm>
+          <a:prstGeom prst="rect">
+            <a:avLst/>
+          </a:prstGeom>
+          <a:solidFill>
+            <a:schemeClr val="bg1">
+              <a:alpha val="50000"/>
+            </a:schemeClr>
+          </a:solidFill>
+          <a:ln>
+            <a:solidFill>
+              <a:schemeClr val="tx1"/>
+            </a:solidFill>
+          </a:ln>
+        </p:spPr>
+        <p:style>
+          <a:lnRef idx="0">
+            <a:scrgbClr r="0" g="0" b="0"/>
+          </a:lnRef>
+          <a:fillRef idx="0">
+            <a:scrgbClr r="0" g="0" b="0"/>
+          </a:fillRef>
+          <a:effectRef idx="0">
+            <a:scrgbClr r="0" g="0" b="0"/>
+          </a:effectRef>
+          <a:fontRef idx="minor">
+            <a:schemeClr val="lt1"/>
+          </a:fontRef>
+        </p:style>
+        <p:txBody>
+          <a:bodyPr rtlCol="0" anchor="ctr"/>
+          <a:lstStyle/>
+          <a:p>
+            <a:pPr algn="ctr"/>
+            <a:endParaRPr lang="en-US"/>
+          </a:p>
+        </p:txBody>
+      </p:sp>
+      <p:cxnSp>
+        <p:nvCxnSpPr>
+          <p:cNvPr id="13" name="Straight Arrow Connector 12"/>
+          <p:cNvCxnSpPr>
+            <a:stCxn id="9" idx="1"/>
+          </p:cNvCxnSpPr>
+          <p:nvPr/>
+        </p:nvCxnSpPr>
+        <p:spPr>
+          <a:xfrm flipH="1" flipV="1">
+            <a:off x="7973122" y="2977375"/>
+            <a:ext cx="940417" cy="1"/>
+          </a:xfrm>
+          <a:prstGeom prst="straightConnector1">
+            <a:avLst/>
+          </a:prstGeom>
+          <a:ln w="19050" cap="flat" cmpd="sng" algn="ctr">
+            <a:solidFill>
+              <a:schemeClr val="dk1"/>
+            </a:solidFill>
+            <a:prstDash val="solid"/>
+            <a:round/>
+            <a:headEnd type="arrow" w="med" len="med"/>
+            <a:tailEnd type="arrow" w="med" len="med"/>
+          </a:ln>
+        </p:spPr>
+        <p:style>
+          <a:lnRef idx="0">
+            <a:scrgbClr r="0" g="0" b="0"/>
+          </a:lnRef>
+          <a:fillRef idx="0">
+            <a:scrgbClr r="0" g="0" b="0"/>
+          </a:fillRef>
+          <a:effectRef idx="0">
+            <a:scrgbClr r="0" g="0" b="0"/>
+          </a:effectRef>
+          <a:fontRef idx="minor">
+            <a:schemeClr val="tx1"/>
+          </a:fontRef>
+        </p:style>
+      </p:cxnSp>
+      <p:sp>
+        <p:nvSpPr>
+          <p:cNvPr id="15" name="TextBox 14"/>
+          <p:cNvSpPr txBox="1"/>
+          <p:nvPr/>
+        </p:nvSpPr>
+        <p:spPr>
+          <a:xfrm>
+            <a:off x="6375357" y="2515711"/>
+            <a:ext cx="1784429" cy="923330"/>
+          </a:xfrm>
+          <a:prstGeom prst="rect">
+            <a:avLst/>
+          </a:prstGeom>
+          <a:noFill/>
+        </p:spPr>
+        <p:txBody>
+          <a:bodyPr wrap="square" rtlCol="0">
+            <a:spAutoFit/>
+          </a:bodyPr>
+          <a:lstStyle/>
+          <a:p>
+            <a:pPr algn="ctr"/>
+            <a:r>
+              <a:rPr lang="en-US" dirty="0" smtClean="0"/>
+              <a:t>Save result (</a:t>
             </a:r>
             <a:r>
               <a:rPr lang="en-US" dirty="0" err="1" smtClean="0"/>
-              <a:t>SculptPrint</a:t>
+              <a:t>png</a:t>
             </a:r>
             <a:r>
               <a:rPr lang="en-US" dirty="0" smtClean="0"/>
-              <a:t> interface </a:t>
-            </a:r>
+              <a:t>) on personal machine</a:t>
+            </a:r>
+            <a:endParaRPr lang="en-US" dirty="0"/>
+          </a:p>
+        </p:txBody>
+      </p:sp>
+      <p:sp>
+        <p:nvSpPr>
+          <p:cNvPr id="19" name="Rectangle 18"/>
+          <p:cNvSpPr/>
+          <p:nvPr/>
+        </p:nvSpPr>
+        <p:spPr>
+          <a:xfrm>
+            <a:off x="1377990" y="2118287"/>
+            <a:ext cx="2572448" cy="1718178"/>
+          </a:xfrm>
+          <a:prstGeom prst="rect">
+            <a:avLst/>
+          </a:prstGeom>
+          <a:solidFill>
+            <a:schemeClr val="bg1">
+              <a:alpha val="50000"/>
+            </a:schemeClr>
+          </a:solidFill>
+          <a:ln>
+            <a:solidFill>
+              <a:schemeClr val="tx1"/>
+            </a:solidFill>
+          </a:ln>
+        </p:spPr>
+        <p:style>
+          <a:lnRef idx="0">
+            <a:scrgbClr r="0" g="0" b="0"/>
+          </a:lnRef>
+          <a:fillRef idx="0">
+            <a:scrgbClr r="0" g="0" b="0"/>
+          </a:fillRef>
+          <a:effectRef idx="0">
+            <a:scrgbClr r="0" g="0" b="0"/>
+          </a:effectRef>
+          <a:fontRef idx="minor">
+            <a:schemeClr val="lt1"/>
+          </a:fontRef>
+        </p:style>
+        <p:txBody>
+          <a:bodyPr rtlCol="0" anchor="ctr"/>
+          <a:lstStyle/>
+          <a:p>
+            <a:pPr algn="ctr"/>
+            <a:endParaRPr lang="en-US"/>
+          </a:p>
+        </p:txBody>
+      </p:sp>
+      <p:sp>
+        <p:nvSpPr>
+          <p:cNvPr id="20" name="TextBox 19"/>
+          <p:cNvSpPr txBox="1"/>
+          <p:nvPr/>
+        </p:nvSpPr>
+        <p:spPr>
+          <a:xfrm>
+            <a:off x="1377990" y="2515711"/>
+            <a:ext cx="2572448" cy="923330"/>
+          </a:xfrm>
+          <a:prstGeom prst="rect">
+            <a:avLst/>
+          </a:prstGeom>
+          <a:noFill/>
+        </p:spPr>
+        <p:txBody>
+          <a:bodyPr wrap="square" rtlCol="0">
+            <a:spAutoFit/>
+          </a:bodyPr>
+          <a:lstStyle/>
+          <a:p>
+            <a:pPr algn="ctr"/>
             <a:r>
               <a:rPr lang="en-US" dirty="0" smtClean="0"/>
-              <a:t>by building functionality of the researcher UI</a:t>
-            </a:r>
-          </a:p>
-          <a:p>
-            <a:pPr marL="514350" indent="-514350">
-              <a:buFont typeface="+mj-lt"/>
-              <a:buAutoNum type="arabicPeriod"/>
-            </a:pPr>
+              <a:t>SolidWorks window running </a:t>
+            </a:r>
+            <a:r>
+              <a:rPr lang="en-US" dirty="0" err="1" smtClean="0"/>
+              <a:t>Ruoyu’s</a:t>
+            </a:r>
+            <a:r>
+              <a:rPr lang="en-US" dirty="0" smtClean="0"/>
+              <a:t> experiment</a:t>
+            </a:r>
             <a:endParaRPr lang="en-US" dirty="0"/>
           </a:p>
-          <a:p>
-            <a:pPr marL="514350" indent="-514350">
-              <a:buFont typeface="+mj-lt"/>
-              <a:buAutoNum type="arabicPeriod"/>
-            </a:pPr>
+        </p:txBody>
+      </p:sp>
+      <p:cxnSp>
+        <p:nvCxnSpPr>
+          <p:cNvPr id="21" name="Straight Arrow Connector 20"/>
+          <p:cNvCxnSpPr/>
+          <p:nvPr/>
+        </p:nvCxnSpPr>
+        <p:spPr>
+          <a:xfrm flipH="1">
+            <a:off x="3597464" y="3094990"/>
+            <a:ext cx="3012342" cy="5263"/>
+          </a:xfrm>
+          <a:prstGeom prst="straightConnector1">
+            <a:avLst/>
+          </a:prstGeom>
+          <a:ln w="19050" cap="flat" cmpd="sng" algn="ctr">
+            <a:solidFill>
+              <a:schemeClr val="dk1"/>
+            </a:solidFill>
+            <a:prstDash val="solid"/>
+            <a:round/>
+            <a:headEnd type="none" w="med" len="med"/>
+            <a:tailEnd type="arrow" w="med" len="med"/>
+          </a:ln>
+        </p:spPr>
+        <p:style>
+          <a:lnRef idx="0">
+            <a:scrgbClr r="0" g="0" b="0"/>
+          </a:lnRef>
+          <a:fillRef idx="0">
+            <a:scrgbClr r="0" g="0" b="0"/>
+          </a:fillRef>
+          <a:effectRef idx="0">
+            <a:scrgbClr r="0" g="0" b="0"/>
+          </a:effectRef>
+          <a:fontRef idx="minor">
+            <a:schemeClr val="tx1"/>
+          </a:fontRef>
+        </p:style>
+      </p:cxnSp>
+      <p:sp>
+        <p:nvSpPr>
+          <p:cNvPr id="28" name="TextBox 27"/>
+          <p:cNvSpPr txBox="1"/>
+          <p:nvPr/>
+        </p:nvSpPr>
+        <p:spPr>
+          <a:xfrm>
+            <a:off x="4826038" y="3094990"/>
+            <a:ext cx="1163678" cy="369332"/>
+          </a:xfrm>
+          <a:prstGeom prst="rect">
+            <a:avLst/>
+          </a:prstGeom>
+          <a:noFill/>
+        </p:spPr>
+        <p:txBody>
+          <a:bodyPr wrap="square" rtlCol="0">
+            <a:spAutoFit/>
+          </a:bodyPr>
+          <a:lstStyle/>
+          <a:p>
+            <a:pPr algn="ctr"/>
             <a:r>
               <a:rPr lang="en-US" dirty="0" smtClean="0"/>
-              <a:t>Keep documenting everything + make installation </a:t>
-            </a:r>
-            <a:r>
-              <a:rPr lang="en-US" dirty="0" smtClean="0"/>
-              <a:t>report</a:t>
-            </a:r>
-          </a:p>
-          <a:p>
-            <a:pPr lvl="1"/>
-            <a:r>
-              <a:rPr lang="en-US" dirty="0" smtClean="0"/>
-              <a:t>This will be a </a:t>
-            </a:r>
-            <a:r>
-              <a:rPr lang="en-US" dirty="0" err="1" smtClean="0"/>
-              <a:t>LaTex</a:t>
-            </a:r>
-            <a:r>
-              <a:rPr lang="en-US" dirty="0" smtClean="0"/>
-              <a:t> write-up</a:t>
-            </a:r>
-            <a:endParaRPr lang="en-US" dirty="0" smtClean="0"/>
-          </a:p>
-          <a:p>
-            <a:pPr marL="514350" indent="-514350">
-              <a:buFont typeface="+mj-lt"/>
-              <a:buAutoNum type="arabicPeriod"/>
-            </a:pPr>
-            <a:endParaRPr lang="en-US" dirty="0"/>
-          </a:p>
-          <a:p>
-            <a:pPr marL="514350" indent="-514350">
-              <a:buFont typeface="+mj-lt"/>
-              <a:buAutoNum type="arabicPeriod"/>
-            </a:pPr>
-            <a:r>
-              <a:rPr lang="en-US" dirty="0" smtClean="0"/>
-              <a:t>Make guide for tutorial part</a:t>
-            </a:r>
-            <a:endParaRPr lang="en-US" dirty="0"/>
-          </a:p>
-          <a:p>
-            <a:pPr marL="457200" indent="-457200">
-              <a:buFont typeface="+mj-lt"/>
-              <a:buAutoNum type="arabicPeriod"/>
-            </a:pPr>
+              <a:t>SSH/SFTP</a:t>
+            </a:r>
             <a:endParaRPr lang="en-US" dirty="0"/>
           </a:p>
         </p:txBody>
@@ -4361,7 +4855,7 @@
     </p:spTree>
     <p:extLst>
       <p:ext uri="{BB962C8B-B14F-4D97-AF65-F5344CB8AC3E}">
-        <p14:creationId xmlns:p14="http://schemas.microsoft.com/office/powerpoint/2010/main" val="2696789135"/>
+        <p14:creationId xmlns:p14="http://schemas.microsoft.com/office/powerpoint/2010/main" val="1125797078"/>
       </p:ext>
     </p:extLst>
   </p:cSld>
@@ -4393,7 +4887,7 @@
           <p:cNvPr id="2" name="Title 1">
             <a:extLst>
               <a:ext uri="{FF2B5EF4-FFF2-40B4-BE49-F238E27FC236}">
-                <a16:creationId xmlns:a16="http://schemas.microsoft.com/office/drawing/2014/main" id="{74D03DE4-8F63-4CF3-B2F1-D8930A138178}"/>
+                <a16:creationId xmlns:a16="http://schemas.microsoft.com/office/drawing/2014/main" id="{C5DAE7CA-9369-48CD-9541-C82E72C2C0C5}"/>
               </a:ext>
             </a:extLst>
           </p:cNvPr>
@@ -4410,69 +4904,107 @@
           <a:lstStyle/>
           <a:p>
             <a:r>
+              <a:rPr lang="en-US" dirty="0"/>
+              <a:t>Next Steps</a:t>
+            </a:r>
+          </a:p>
+        </p:txBody>
+      </p:sp>
+      <p:sp>
+        <p:nvSpPr>
+          <p:cNvPr id="3" name="Content Placeholder 2">
+            <a:extLst>
+              <a:ext uri="{FF2B5EF4-FFF2-40B4-BE49-F238E27FC236}">
+                <a16:creationId xmlns:a16="http://schemas.microsoft.com/office/drawing/2014/main" id="{D44BE787-6C9A-42E8-B9CA-921D09C037CE}"/>
+              </a:ext>
+            </a:extLst>
+          </p:cNvPr>
+          <p:cNvSpPr>
+            <a:spLocks noGrp="1"/>
+          </p:cNvSpPr>
+          <p:nvPr>
+            <p:ph idx="1"/>
+          </p:nvPr>
+        </p:nvSpPr>
+        <p:spPr/>
+        <p:txBody>
+          <a:bodyPr>
+            <a:normAutofit/>
+          </a:bodyPr>
+          <a:lstStyle/>
+          <a:p>
+            <a:pPr marL="514350" indent="-514350">
+              <a:buFont typeface="+mj-lt"/>
+              <a:buAutoNum type="arabicPeriod"/>
+            </a:pPr>
+            <a:r>
               <a:rPr lang="en-US" dirty="0" smtClean="0"/>
-              <a:t>Project </a:t>
-            </a:r>
-            <a:r>
-              <a:rPr lang="en-US" dirty="0"/>
-              <a:t>Decisions</a:t>
-            </a:r>
-          </a:p>
-        </p:txBody>
-      </p:sp>
-      <p:sp>
-        <p:nvSpPr>
-          <p:cNvPr id="3" name="Content Placeholder 2">
-            <a:extLst>
-              <a:ext uri="{FF2B5EF4-FFF2-40B4-BE49-F238E27FC236}">
-                <a16:creationId xmlns:a16="http://schemas.microsoft.com/office/drawing/2014/main" id="{A96EC9EA-A5D4-4E2C-BC85-CEDE3BC1F5E6}"/>
-              </a:ext>
-            </a:extLst>
-          </p:cNvPr>
-          <p:cNvSpPr>
-            <a:spLocks noGrp="1"/>
-          </p:cNvSpPr>
-          <p:nvPr>
-            <p:ph idx="1"/>
-          </p:nvPr>
-        </p:nvSpPr>
-        <p:spPr/>
-        <p:txBody>
-          <a:bodyPr/>
-          <a:lstStyle/>
-          <a:p>
-            <a:r>
-              <a:rPr lang="en-US" dirty="0"/>
-              <a:t>Need a proper name and description to display in </a:t>
+              <a:t>Continue work on </a:t>
+            </a:r>
+            <a:r>
+              <a:rPr lang="en-US" dirty="0" err="1" smtClean="0"/>
+              <a:t>SculptPrint</a:t>
             </a:r>
             <a:r>
               <a:rPr lang="en-US" dirty="0" smtClean="0"/>
-              <a:t>SolidWorks</a:t>
-            </a:r>
-          </a:p>
-          <a:p>
+              <a:t> interface by building functionality of the researcher UI</a:t>
+            </a:r>
+          </a:p>
+          <a:p>
+            <a:pPr marL="514350" indent="-514350">
+              <a:buFont typeface="+mj-lt"/>
+              <a:buAutoNum type="arabicPeriod"/>
+            </a:pPr>
             <a:endParaRPr lang="en-US" dirty="0"/>
           </a:p>
           <a:p>
+            <a:pPr marL="514350" indent="-514350">
+              <a:buFont typeface="+mj-lt"/>
+              <a:buAutoNum type="arabicPeriod"/>
+            </a:pPr>
             <a:r>
               <a:rPr lang="en-US" dirty="0" smtClean="0"/>
-              <a:t>Need to determine ideal instructions for message-box prompts</a:t>
-            </a:r>
-          </a:p>
-          <a:p>
+              <a:t>Keep documenting everything + make installation report</a:t>
+            </a:r>
+          </a:p>
+          <a:p>
+            <a:pPr lvl="1"/>
+            <a:r>
+              <a:rPr lang="en-US" dirty="0" smtClean="0"/>
+              <a:t>This will be a </a:t>
+            </a:r>
+            <a:r>
+              <a:rPr lang="en-US" dirty="0" err="1" smtClean="0"/>
+              <a:t>LaTex</a:t>
+            </a:r>
+            <a:r>
+              <a:rPr lang="en-US" dirty="0" smtClean="0"/>
+              <a:t> write-up</a:t>
+            </a:r>
+          </a:p>
+          <a:p>
+            <a:pPr marL="514350" indent="-514350">
+              <a:buFont typeface="+mj-lt"/>
+              <a:buAutoNum type="arabicPeriod"/>
+            </a:pPr>
             <a:endParaRPr lang="en-US" dirty="0"/>
           </a:p>
           <a:p>
+            <a:pPr marL="514350" indent="-514350">
+              <a:buFont typeface="+mj-lt"/>
+              <a:buAutoNum type="arabicPeriod"/>
+            </a:pPr>
             <a:r>
               <a:rPr lang="en-US" dirty="0" smtClean="0"/>
-              <a:t>Need to choose message prompts when user hovers over info buttons</a:t>
+              <a:t>Make guide for tutorial part</a:t>
             </a:r>
             <a:endParaRPr lang="en-US" dirty="0"/>
           </a:p>
           <a:p>
-            <a:endParaRPr lang="en-US" dirty="0"/>
-          </a:p>
-          <a:p>
+            <a:pPr marL="457200" indent="-457200">
+              <a:buFont typeface="+mj-lt"/>
+              <a:buAutoNum type="arabicPeriod"/>
+            </a:pPr>
             <a:endParaRPr lang="en-US" dirty="0"/>
           </a:p>
         </p:txBody>
@@ -4480,7 +5012,7 @@
     </p:spTree>
     <p:extLst>
       <p:ext uri="{BB962C8B-B14F-4D97-AF65-F5344CB8AC3E}">
-        <p14:creationId xmlns:p14="http://schemas.microsoft.com/office/powerpoint/2010/main" val="1983117304"/>
+        <p14:creationId xmlns:p14="http://schemas.microsoft.com/office/powerpoint/2010/main" val="2696789135"/>
       </p:ext>
     </p:extLst>
   </p:cSld>
@@ -4512,7 +5044,7 @@
           <p:cNvPr id="2" name="Title 1">
             <a:extLst>
               <a:ext uri="{FF2B5EF4-FFF2-40B4-BE49-F238E27FC236}">
-                <a16:creationId xmlns:a16="http://schemas.microsoft.com/office/drawing/2014/main" id="{9326EEC7-422E-4A70-8740-43F28C77C875}"/>
+                <a16:creationId xmlns:a16="http://schemas.microsoft.com/office/drawing/2014/main" id="{74D03DE4-8F63-4CF3-B2F1-D8930A138178}"/>
               </a:ext>
             </a:extLst>
           </p:cNvPr>
@@ -4529,8 +5061,12 @@
           <a:lstStyle/>
           <a:p>
             <a:r>
+              <a:rPr lang="en-US" dirty="0" smtClean="0"/>
+              <a:t>Project </a:t>
+            </a:r>
+            <a:r>
               <a:rPr lang="en-US" dirty="0"/>
-              <a:t>Problems List and Solution</a:t>
+              <a:t>Decisions</a:t>
             </a:r>
           </a:p>
         </p:txBody>
@@ -4540,7 +5076,7 @@
           <p:cNvPr id="3" name="Content Placeholder 2">
             <a:extLst>
               <a:ext uri="{FF2B5EF4-FFF2-40B4-BE49-F238E27FC236}">
-                <a16:creationId xmlns:a16="http://schemas.microsoft.com/office/drawing/2014/main" id="{93D28F83-2A80-45E7-A6A6-C520B1FAEE69}"/>
+                <a16:creationId xmlns:a16="http://schemas.microsoft.com/office/drawing/2014/main" id="{A96EC9EA-A5D4-4E2C-BC85-CEDE3BC1F5E6}"/>
               </a:ext>
             </a:extLst>
           </p:cNvPr>
@@ -4558,48 +5094,44 @@
           <a:p>
             <a:r>
               <a:rPr lang="en-US" dirty="0"/>
-              <a:t>AngelSix Add-In Installer returns with an error</a:t>
-            </a:r>
-          </a:p>
-          <a:p>
-            <a:pPr lvl="1"/>
-            <a:r>
-              <a:rPr lang="en-US" dirty="0"/>
-              <a:t>The add-in installer runs RegAsm.exe to register your plug-in’s .</a:t>
-            </a:r>
-            <a:r>
-              <a:rPr lang="en-US" dirty="0" err="1"/>
-              <a:t>dll</a:t>
-            </a:r>
+              <a:t>Need a proper name and description to display in </a:t>
+            </a:r>
+            <a:r>
+              <a:rPr lang="en-US" dirty="0" smtClean="0"/>
+              <a:t>SolidWorks</a:t>
+            </a:r>
+          </a:p>
+          <a:p>
             <a:endParaRPr lang="en-US" dirty="0"/>
           </a:p>
           <a:p>
-            <a:pPr lvl="1"/>
-            <a:r>
-              <a:rPr lang="en-US" dirty="0"/>
-              <a:t>Can debug manually</a:t>
-            </a:r>
-          </a:p>
-          <a:p>
-            <a:pPr lvl="1"/>
-            <a:r>
-              <a:rPr lang="en-US" dirty="0"/>
-              <a:t>cd C:\Windows\Microsoft.NET\Framework64\v4.0.30319</a:t>
-            </a:r>
-          </a:p>
-          <a:p>
-            <a:pPr lvl="1"/>
-            <a:r>
-              <a:rPr lang="en-US" dirty="0"/>
-              <a:t>RegAsm.exe /codebase "C:\Users\Aniruddh\Desktop\solidworks-api-develop\Tutorials\DynamicReload\DynamicReload\bin\Debug\DynamicReload.dll"</a:t>
-            </a:r>
+            <a:r>
+              <a:rPr lang="en-US" dirty="0" smtClean="0"/>
+              <a:t>Need to determine ideal instructions for message-box prompts</a:t>
+            </a:r>
+          </a:p>
+          <a:p>
+            <a:endParaRPr lang="en-US" dirty="0"/>
+          </a:p>
+          <a:p>
+            <a:r>
+              <a:rPr lang="en-US" dirty="0" smtClean="0"/>
+              <a:t>Need to choose message prompts when user hovers over info buttons</a:t>
+            </a:r>
+            <a:endParaRPr lang="en-US" dirty="0"/>
+          </a:p>
+          <a:p>
+            <a:endParaRPr lang="en-US" dirty="0"/>
+          </a:p>
+          <a:p>
+            <a:endParaRPr lang="en-US" dirty="0"/>
           </a:p>
         </p:txBody>
       </p:sp>
     </p:spTree>
     <p:extLst>
       <p:ext uri="{BB962C8B-B14F-4D97-AF65-F5344CB8AC3E}">
-        <p14:creationId xmlns:p14="http://schemas.microsoft.com/office/powerpoint/2010/main" val="1357193124"/>
+        <p14:creationId xmlns:p14="http://schemas.microsoft.com/office/powerpoint/2010/main" val="1983117304"/>
       </p:ext>
     </p:extLst>
   </p:cSld>
@@ -4631,7 +5163,7 @@
           <p:cNvPr id="2" name="Title 1">
             <a:extLst>
               <a:ext uri="{FF2B5EF4-FFF2-40B4-BE49-F238E27FC236}">
-                <a16:creationId xmlns:a16="http://schemas.microsoft.com/office/drawing/2014/main" id="{FFD80D3C-0DE5-4787-AD89-FCA2B073CAA9}"/>
+                <a16:creationId xmlns:a16="http://schemas.microsoft.com/office/drawing/2014/main" id="{9326EEC7-422E-4A70-8740-43F28C77C875}"/>
               </a:ext>
             </a:extLst>
           </p:cNvPr>
@@ -4649,7 +5181,7 @@
           <a:p>
             <a:r>
               <a:rPr lang="en-US" dirty="0"/>
-              <a:t>Problems List and Solution (Cont’d)</a:t>
+              <a:t>Problems List and Solution</a:t>
             </a:r>
           </a:p>
         </p:txBody>
@@ -4659,7 +5191,7 @@
           <p:cNvPr id="3" name="Content Placeholder 2">
             <a:extLst>
               <a:ext uri="{FF2B5EF4-FFF2-40B4-BE49-F238E27FC236}">
-                <a16:creationId xmlns:a16="http://schemas.microsoft.com/office/drawing/2014/main" id="{77C7C523-BD01-4F5C-ADCB-063CC6B09E70}"/>
+                <a16:creationId xmlns:a16="http://schemas.microsoft.com/office/drawing/2014/main" id="{93D28F83-2A80-45E7-A6A6-C520B1FAEE69}"/>
               </a:ext>
             </a:extLst>
           </p:cNvPr>
@@ -4677,28 +5209,40 @@
           <a:p>
             <a:r>
               <a:rPr lang="en-US" dirty="0"/>
-              <a:t>Packages downloaded from GitHub do not compile because Dna.Framework is not a valid namespace</a:t>
+              <a:t>AngelSix Add-In Installer returns with an error</a:t>
             </a:r>
           </a:p>
           <a:p>
             <a:pPr lvl="1"/>
             <a:r>
               <a:rPr lang="en-US" dirty="0"/>
-              <a:t>Dna.Framework, also written by AngelSix, is a NuGet package</a:t>
-            </a:r>
+              <a:t>The add-in installer runs RegAsm.exe to register your plug-in’s .</a:t>
+            </a:r>
+            <a:r>
+              <a:rPr lang="en-US" dirty="0" err="1"/>
+              <a:t>dll</a:t>
+            </a:r>
+            <a:endParaRPr lang="en-US" dirty="0"/>
           </a:p>
           <a:p>
             <a:pPr lvl="1"/>
             <a:r>
               <a:rPr lang="en-US" dirty="0"/>
-              <a:t>NuGet is a free, open-source package manager in Visual Studio</a:t>
+              <a:t>Can debug manually</a:t>
             </a:r>
           </a:p>
           <a:p>
             <a:pPr lvl="1"/>
             <a:r>
               <a:rPr lang="en-US" dirty="0"/>
-              <a:t>Make sure this package is properly installed (with dependencies) for each solution</a:t>
+              <a:t>cd C:\Windows\Microsoft.NET\Framework64\v4.0.30319</a:t>
+            </a:r>
+          </a:p>
+          <a:p>
+            <a:pPr lvl="1"/>
+            <a:r>
+              <a:rPr lang="en-US" dirty="0"/>
+              <a:t>RegAsm.exe /codebase "C:\Users\Aniruddh\Desktop\solidworks-api-develop\Tutorials\DynamicReload\DynamicReload\bin\Debug\DynamicReload.dll"</a:t>
             </a:r>
           </a:p>
         </p:txBody>
@@ -4706,7 +5250,7 @@
     </p:spTree>
     <p:extLst>
       <p:ext uri="{BB962C8B-B14F-4D97-AF65-F5344CB8AC3E}">
-        <p14:creationId xmlns:p14="http://schemas.microsoft.com/office/powerpoint/2010/main" val="1105893448"/>
+        <p14:creationId xmlns:p14="http://schemas.microsoft.com/office/powerpoint/2010/main" val="1357193124"/>
       </p:ext>
     </p:extLst>
   </p:cSld>

--- a/Weekly Updates/Week7.pptx
+++ b/Weekly Updates/Week7.pptx
@@ -272,7 +272,7 @@
           <a:p>
             <a:fld id="{8CFAD378-7451-4777-A831-E1432E1A94CB}" type="datetimeFigureOut">
               <a:rPr lang="en-US" smtClean="0"/>
-              <a:t>7/17/2018</a:t>
+              <a:t>7/24/2018</a:t>
             </a:fld>
             <a:endParaRPr lang="en-US"/>
           </a:p>
@@ -470,7 +470,7 @@
           <a:p>
             <a:fld id="{8CFAD378-7451-4777-A831-E1432E1A94CB}" type="datetimeFigureOut">
               <a:rPr lang="en-US" smtClean="0"/>
-              <a:t>7/17/2018</a:t>
+              <a:t>7/24/2018</a:t>
             </a:fld>
             <a:endParaRPr lang="en-US"/>
           </a:p>
@@ -678,7 +678,7 @@
           <a:p>
             <a:fld id="{8CFAD378-7451-4777-A831-E1432E1A94CB}" type="datetimeFigureOut">
               <a:rPr lang="en-US" smtClean="0"/>
-              <a:t>7/17/2018</a:t>
+              <a:t>7/24/2018</a:t>
             </a:fld>
             <a:endParaRPr lang="en-US"/>
           </a:p>
@@ -876,7 +876,7 @@
           <a:p>
             <a:fld id="{8CFAD378-7451-4777-A831-E1432E1A94CB}" type="datetimeFigureOut">
               <a:rPr lang="en-US" smtClean="0"/>
-              <a:t>7/17/2018</a:t>
+              <a:t>7/24/2018</a:t>
             </a:fld>
             <a:endParaRPr lang="en-US"/>
           </a:p>
@@ -1151,7 +1151,7 @@
           <a:p>
             <a:fld id="{8CFAD378-7451-4777-A831-E1432E1A94CB}" type="datetimeFigureOut">
               <a:rPr lang="en-US" smtClean="0"/>
-              <a:t>7/17/2018</a:t>
+              <a:t>7/24/2018</a:t>
             </a:fld>
             <a:endParaRPr lang="en-US"/>
           </a:p>
@@ -1416,7 +1416,7 @@
           <a:p>
             <a:fld id="{8CFAD378-7451-4777-A831-E1432E1A94CB}" type="datetimeFigureOut">
               <a:rPr lang="en-US" smtClean="0"/>
-              <a:t>7/17/2018</a:t>
+              <a:t>7/24/2018</a:t>
             </a:fld>
             <a:endParaRPr lang="en-US"/>
           </a:p>
@@ -1828,7 +1828,7 @@
           <a:p>
             <a:fld id="{8CFAD378-7451-4777-A831-E1432E1A94CB}" type="datetimeFigureOut">
               <a:rPr lang="en-US" smtClean="0"/>
-              <a:t>7/17/2018</a:t>
+              <a:t>7/24/2018</a:t>
             </a:fld>
             <a:endParaRPr lang="en-US"/>
           </a:p>
@@ -1969,7 +1969,7 @@
           <a:p>
             <a:fld id="{8CFAD378-7451-4777-A831-E1432E1A94CB}" type="datetimeFigureOut">
               <a:rPr lang="en-US" smtClean="0"/>
-              <a:t>7/17/2018</a:t>
+              <a:t>7/24/2018</a:t>
             </a:fld>
             <a:endParaRPr lang="en-US"/>
           </a:p>
@@ -2082,7 +2082,7 @@
           <a:p>
             <a:fld id="{8CFAD378-7451-4777-A831-E1432E1A94CB}" type="datetimeFigureOut">
               <a:rPr lang="en-US" smtClean="0"/>
-              <a:t>7/17/2018</a:t>
+              <a:t>7/24/2018</a:t>
             </a:fld>
             <a:endParaRPr lang="en-US"/>
           </a:p>
@@ -2393,7 +2393,7 @@
           <a:p>
             <a:fld id="{8CFAD378-7451-4777-A831-E1432E1A94CB}" type="datetimeFigureOut">
               <a:rPr lang="en-US" smtClean="0"/>
-              <a:t>7/17/2018</a:t>
+              <a:t>7/24/2018</a:t>
             </a:fld>
             <a:endParaRPr lang="en-US"/>
           </a:p>
@@ -2681,7 +2681,7 @@
           <a:p>
             <a:fld id="{8CFAD378-7451-4777-A831-E1432E1A94CB}" type="datetimeFigureOut">
               <a:rPr lang="en-US" smtClean="0"/>
-              <a:t>7/17/2018</a:t>
+              <a:t>7/24/2018</a:t>
             </a:fld>
             <a:endParaRPr lang="en-US"/>
           </a:p>
@@ -2922,7 +2922,7 @@
           <a:p>
             <a:fld id="{8CFAD378-7451-4777-A831-E1432E1A94CB}" type="datetimeFigureOut">
               <a:rPr lang="en-US" smtClean="0"/>
-              <a:t>7/17/2018</a:t>
+              <a:t>7/24/2018</a:t>
             </a:fld>
             <a:endParaRPr lang="en-US"/>
           </a:p>
@@ -4027,11 +4027,15 @@
           <a:p>
             <a:r>
               <a:rPr lang="en-US" dirty="0"/>
-              <a:t>Updates from Week </a:t>
-            </a:r>
-            <a:r>
-              <a:rPr lang="en-US" dirty="0" smtClean="0"/>
-              <a:t>5/6</a:t>
+              <a:t>Updates from </a:t>
+            </a:r>
+            <a:r>
+              <a:rPr lang="en-US"/>
+              <a:t>Week </a:t>
+            </a:r>
+            <a:r>
+              <a:rPr lang="en-US" smtClean="0"/>
+              <a:t>7</a:t>
             </a:r>
             <a:endParaRPr lang="en-US" dirty="0"/>
           </a:p>
